--- a/System Design Basics.pptx
+++ b/System Design Basics.pptx
@@ -9,9 +9,10 @@
     <p:sldId id="257" r:id="rId3"/>
     <p:sldId id="261" r:id="rId4"/>
     <p:sldId id="262" r:id="rId5"/>
-    <p:sldId id="258" r:id="rId6"/>
-    <p:sldId id="259" r:id="rId7"/>
-    <p:sldId id="260" r:id="rId8"/>
+    <p:sldId id="263" r:id="rId6"/>
+    <p:sldId id="258" r:id="rId7"/>
+    <p:sldId id="259" r:id="rId8"/>
+    <p:sldId id="260" r:id="rId9"/>
   </p:sldIdLst>
   <p:sldSz cx="12192000" cy="6858000"/>
   <p:notesSz cx="6858000" cy="9144000"/>
@@ -110,6 +111,11 @@
       </a:defRPr>
     </a:lvl9pPr>
   </p:defaultTextStyle>
+  <p:extLst>
+    <p:ext uri="{EFAFB233-063F-42B5-8137-9DF3F51BA10A}">
+      <p15:sldGuideLst xmlns:p15="http://schemas.microsoft.com/office/powerpoint/2012/main"/>
+    </p:ext>
+  </p:extLst>
 </p:presentation>
 </file>
 
@@ -252,7 +258,7 @@
           <a:p>
             <a:fld id="{D6CB1608-4A51-4FAD-A000-70CF7C82CEC0}" type="datetimeFigureOut">
               <a:rPr lang="en-IN" smtClean="0"/>
-              <a:t>17-03-2024</a:t>
+              <a:t>03-04-2024</a:t>
             </a:fld>
             <a:endParaRPr lang="en-IN"/>
           </a:p>
@@ -463,7 +469,7 @@
           <a:p>
             <a:fld id="{D6CB1608-4A51-4FAD-A000-70CF7C82CEC0}" type="datetimeFigureOut">
               <a:rPr lang="en-IN" smtClean="0"/>
-              <a:t>17-03-2024</a:t>
+              <a:t>03-04-2024</a:t>
             </a:fld>
             <a:endParaRPr lang="en-IN"/>
           </a:p>
@@ -678,7 +684,7 @@
           <a:p>
             <a:fld id="{D6CB1608-4A51-4FAD-A000-70CF7C82CEC0}" type="datetimeFigureOut">
               <a:rPr lang="en-IN" smtClean="0"/>
-              <a:t>17-03-2024</a:t>
+              <a:t>03-04-2024</a:t>
             </a:fld>
             <a:endParaRPr lang="en-IN"/>
           </a:p>
@@ -879,7 +885,7 @@
           <a:p>
             <a:fld id="{D6CB1608-4A51-4FAD-A000-70CF7C82CEC0}" type="datetimeFigureOut">
               <a:rPr lang="en-IN" smtClean="0"/>
-              <a:t>17-03-2024</a:t>
+              <a:t>03-04-2024</a:t>
             </a:fld>
             <a:endParaRPr lang="en-IN"/>
           </a:p>
@@ -1158,7 +1164,7 @@
           <a:p>
             <a:fld id="{D6CB1608-4A51-4FAD-A000-70CF7C82CEC0}" type="datetimeFigureOut">
               <a:rPr lang="en-IN" smtClean="0"/>
-              <a:t>17-03-2024</a:t>
+              <a:t>03-04-2024</a:t>
             </a:fld>
             <a:endParaRPr lang="en-IN"/>
           </a:p>
@@ -1426,7 +1432,7 @@
           <a:p>
             <a:fld id="{D6CB1608-4A51-4FAD-A000-70CF7C82CEC0}" type="datetimeFigureOut">
               <a:rPr lang="en-IN" smtClean="0"/>
-              <a:t>17-03-2024</a:t>
+              <a:t>03-04-2024</a:t>
             </a:fld>
             <a:endParaRPr lang="en-IN"/>
           </a:p>
@@ -1842,7 +1848,7 @@
           <a:p>
             <a:fld id="{D6CB1608-4A51-4FAD-A000-70CF7C82CEC0}" type="datetimeFigureOut">
               <a:rPr lang="en-IN" smtClean="0"/>
-              <a:t>17-03-2024</a:t>
+              <a:t>03-04-2024</a:t>
             </a:fld>
             <a:endParaRPr lang="en-IN"/>
           </a:p>
@@ -1991,7 +1997,7 @@
           <a:p>
             <a:fld id="{D6CB1608-4A51-4FAD-A000-70CF7C82CEC0}" type="datetimeFigureOut">
               <a:rPr lang="en-IN" smtClean="0"/>
-              <a:t>17-03-2024</a:t>
+              <a:t>03-04-2024</a:t>
             </a:fld>
             <a:endParaRPr lang="en-IN"/>
           </a:p>
@@ -2117,7 +2123,7 @@
           <a:p>
             <a:fld id="{D6CB1608-4A51-4FAD-A000-70CF7C82CEC0}" type="datetimeFigureOut">
               <a:rPr lang="en-IN" smtClean="0"/>
-              <a:t>17-03-2024</a:t>
+              <a:t>03-04-2024</a:t>
             </a:fld>
             <a:endParaRPr lang="en-IN"/>
           </a:p>
@@ -2368,7 +2374,7 @@
           <a:p>
             <a:fld id="{D6CB1608-4A51-4FAD-A000-70CF7C82CEC0}" type="datetimeFigureOut">
               <a:rPr lang="en-IN" smtClean="0"/>
-              <a:t>17-03-2024</a:t>
+              <a:t>03-04-2024</a:t>
             </a:fld>
             <a:endParaRPr lang="en-IN"/>
           </a:p>
@@ -2813,7 +2819,7 @@
           <a:p>
             <a:fld id="{D6CB1608-4A51-4FAD-A000-70CF7C82CEC0}" type="datetimeFigureOut">
               <a:rPr lang="en-IN" smtClean="0"/>
-              <a:t>17-03-2024</a:t>
+              <a:t>03-04-2024</a:t>
             </a:fld>
             <a:endParaRPr lang="en-IN"/>
           </a:p>
@@ -3140,7 +3146,7 @@
           <a:p>
             <a:fld id="{D6CB1608-4A51-4FAD-A000-70CF7C82CEC0}" type="datetimeFigureOut">
               <a:rPr lang="en-IN" smtClean="0"/>
-              <a:t>17-03-2024</a:t>
+              <a:t>03-04-2024</a:t>
             </a:fld>
             <a:endParaRPr lang="en-IN"/>
           </a:p>
@@ -4048,7 +4054,7 @@
           <p:cNvPr id="2" name="Title 1">
             <a:extLst>
               <a:ext uri="{FF2B5EF4-FFF2-40B4-BE49-F238E27FC236}">
-                <a16:creationId xmlns:a16="http://schemas.microsoft.com/office/drawing/2014/main" id="{68EBB79A-95FC-D7F5-B703-4269334D430A}"/>
+                <a16:creationId xmlns:a16="http://schemas.microsoft.com/office/drawing/2014/main" id="{87CF084B-F6FF-7D7C-10E1-8BDC93DEACBB}"/>
               </a:ext>
             </a:extLst>
           </p:cNvPr>
@@ -4066,7 +4072,7 @@
           <a:p>
             <a:r>
               <a:rPr lang="en-IN" dirty="0"/>
-              <a:t>Scaling	</a:t>
+              <a:t>Quick Calculations</a:t>
             </a:r>
           </a:p>
         </p:txBody>
@@ -4076,7 +4082,7 @@
           <p:cNvPr id="3" name="Content Placeholder 2">
             <a:extLst>
               <a:ext uri="{FF2B5EF4-FFF2-40B4-BE49-F238E27FC236}">
-                <a16:creationId xmlns:a16="http://schemas.microsoft.com/office/drawing/2014/main" id="{4927F2C9-F028-A2E9-B0B5-6FAB1864321A}"/>
+                <a16:creationId xmlns:a16="http://schemas.microsoft.com/office/drawing/2014/main" id="{D4F24CB1-24A9-28B9-3519-96CB3985BEFB}"/>
               </a:ext>
             </a:extLst>
           </p:cNvPr>
@@ -4089,63 +4095,70 @@
         </p:nvSpPr>
         <p:spPr/>
         <p:txBody>
-          <a:bodyPr/>
-          <a:lstStyle/>
-          <a:p>
-            <a:r>
-              <a:rPr lang="en-US" dirty="0"/>
-              <a:t>Handle and withstand an increased workload without sacrificing latency.</a:t>
-            </a:r>
-          </a:p>
-          <a:p>
-            <a:r>
-              <a:rPr lang="en-US" dirty="0"/>
-              <a:t>Horizontal Scaling (Scaling-out): Adding more hardware to the existing hardware pool.</a:t>
-            </a:r>
-          </a:p>
-          <a:p>
-            <a:r>
-              <a:rPr lang="en-US" dirty="0"/>
-              <a:t>Vertical Scaling (Scaling-up): Add more power to your server.</a:t>
-            </a:r>
+          <a:bodyPr>
+            <a:normAutofit lnSpcReduction="10000"/>
+          </a:bodyPr>
+          <a:lstStyle/>
+          <a:p>
+            <a:r>
+              <a:rPr lang="en-IN" dirty="0"/>
+              <a:t>1 million transactions a day =  12/sec</a:t>
+            </a:r>
+          </a:p>
+          <a:p>
+            <a:r>
+              <a:rPr lang="en-IN" dirty="0"/>
+              <a:t>1 million transactions a day =  700/min</a:t>
+            </a:r>
+          </a:p>
+          <a:p>
+            <a:r>
+              <a:rPr lang="en-IN" dirty="0"/>
+              <a:t>1 million transactions a day =  42000/sec</a:t>
+            </a:r>
+          </a:p>
+          <a:p>
             <a:endParaRPr lang="en-IN" dirty="0"/>
           </a:p>
-        </p:txBody>
-      </p:sp>
-      <p:pic>
-        <p:nvPicPr>
-          <p:cNvPr id="5" name="Picture 4">
-            <a:extLst>
-              <a:ext uri="{FF2B5EF4-FFF2-40B4-BE49-F238E27FC236}">
-                <a16:creationId xmlns:a16="http://schemas.microsoft.com/office/drawing/2014/main" id="{7B0613B0-0797-9826-510C-5AAD8B3134B3}"/>
-              </a:ext>
-            </a:extLst>
-          </p:cNvPr>
-          <p:cNvPicPr>
-            <a:picLocks noChangeAspect="1"/>
-          </p:cNvPicPr>
-          <p:nvPr/>
-        </p:nvPicPr>
-        <p:blipFill>
-          <a:blip r:embed="rId2"/>
-          <a:stretch>
-            <a:fillRect/>
-          </a:stretch>
-        </p:blipFill>
-        <p:spPr>
-          <a:xfrm>
-            <a:off x="1863738" y="3601867"/>
-            <a:ext cx="8634208" cy="2651990"/>
-          </a:xfrm>
-          <a:prstGeom prst="rect">
-            <a:avLst/>
-          </a:prstGeom>
-        </p:spPr>
-      </p:pic>
+          <a:p>
+            <a:r>
+              <a:rPr lang="en-IN" dirty="0"/>
+              <a:t>Example:</a:t>
+            </a:r>
+          </a:p>
+          <a:p>
+            <a:pPr lvl="1"/>
+            <a:r>
+              <a:rPr lang="en-IN" dirty="0"/>
+              <a:t>5 million a day = (12 * 5) = 60/sec</a:t>
+            </a:r>
+          </a:p>
+          <a:p>
+            <a:pPr lvl="1"/>
+            <a:r>
+              <a:rPr lang="en-IN" dirty="0"/>
+              <a:t>30 million a day = (12 * 30) =  360/sec</a:t>
+            </a:r>
+          </a:p>
+          <a:p>
+            <a:pPr lvl="1"/>
+            <a:r>
+              <a:rPr lang="en-IN" dirty="0"/>
+              <a:t>100 million a day = (12 * 100) = 1200/sec</a:t>
+            </a:r>
+          </a:p>
+          <a:p>
+            <a:endParaRPr lang="en-IN" dirty="0"/>
+          </a:p>
+          <a:p>
+            <a:endParaRPr lang="en-IN" dirty="0"/>
+          </a:p>
+        </p:txBody>
+      </p:sp>
     </p:spTree>
     <p:extLst>
       <p:ext uri="{BB962C8B-B14F-4D97-AF65-F5344CB8AC3E}">
-        <p14:creationId xmlns:p14="http://schemas.microsoft.com/office/powerpoint/2010/main" val="185130725"/>
+        <p14:creationId xmlns:p14="http://schemas.microsoft.com/office/powerpoint/2010/main" val="2234713501"/>
       </p:ext>
     </p:extLst>
   </p:cSld>
@@ -4177,6 +4190,135 @@
           <p:cNvPr id="2" name="Title 1">
             <a:extLst>
               <a:ext uri="{FF2B5EF4-FFF2-40B4-BE49-F238E27FC236}">
+                <a16:creationId xmlns:a16="http://schemas.microsoft.com/office/drawing/2014/main" id="{68EBB79A-95FC-D7F5-B703-4269334D430A}"/>
+              </a:ext>
+            </a:extLst>
+          </p:cNvPr>
+          <p:cNvSpPr>
+            <a:spLocks noGrp="1"/>
+          </p:cNvSpPr>
+          <p:nvPr>
+            <p:ph type="title"/>
+          </p:nvPr>
+        </p:nvSpPr>
+        <p:spPr/>
+        <p:txBody>
+          <a:bodyPr/>
+          <a:lstStyle/>
+          <a:p>
+            <a:r>
+              <a:rPr lang="en-IN" dirty="0"/>
+              <a:t>Scaling	</a:t>
+            </a:r>
+          </a:p>
+        </p:txBody>
+      </p:sp>
+      <p:sp>
+        <p:nvSpPr>
+          <p:cNvPr id="3" name="Content Placeholder 2">
+            <a:extLst>
+              <a:ext uri="{FF2B5EF4-FFF2-40B4-BE49-F238E27FC236}">
+                <a16:creationId xmlns:a16="http://schemas.microsoft.com/office/drawing/2014/main" id="{4927F2C9-F028-A2E9-B0B5-6FAB1864321A}"/>
+              </a:ext>
+            </a:extLst>
+          </p:cNvPr>
+          <p:cNvSpPr>
+            <a:spLocks noGrp="1"/>
+          </p:cNvSpPr>
+          <p:nvPr>
+            <p:ph idx="1"/>
+          </p:nvPr>
+        </p:nvSpPr>
+        <p:spPr/>
+        <p:txBody>
+          <a:bodyPr/>
+          <a:lstStyle/>
+          <a:p>
+            <a:r>
+              <a:rPr lang="en-US" dirty="0"/>
+              <a:t>Handle and withstand an increased workload without sacrificing latency.</a:t>
+            </a:r>
+          </a:p>
+          <a:p>
+            <a:r>
+              <a:rPr lang="en-US" dirty="0"/>
+              <a:t>Horizontal Scaling (Scaling-out): Adding more hardware to the existing hardware pool.</a:t>
+            </a:r>
+          </a:p>
+          <a:p>
+            <a:r>
+              <a:rPr lang="en-US" dirty="0"/>
+              <a:t>Vertical Scaling (Scaling-up): Add more power to your server.</a:t>
+            </a:r>
+            <a:endParaRPr lang="en-IN" dirty="0"/>
+          </a:p>
+        </p:txBody>
+      </p:sp>
+      <p:pic>
+        <p:nvPicPr>
+          <p:cNvPr id="5" name="Picture 4">
+            <a:extLst>
+              <a:ext uri="{FF2B5EF4-FFF2-40B4-BE49-F238E27FC236}">
+                <a16:creationId xmlns:a16="http://schemas.microsoft.com/office/drawing/2014/main" id="{7B0613B0-0797-9826-510C-5AAD8B3134B3}"/>
+              </a:ext>
+            </a:extLst>
+          </p:cNvPr>
+          <p:cNvPicPr>
+            <a:picLocks noChangeAspect="1"/>
+          </p:cNvPicPr>
+          <p:nvPr/>
+        </p:nvPicPr>
+        <p:blipFill>
+          <a:blip r:embed="rId2"/>
+          <a:stretch>
+            <a:fillRect/>
+          </a:stretch>
+        </p:blipFill>
+        <p:spPr>
+          <a:xfrm>
+            <a:off x="1863738" y="3601867"/>
+            <a:ext cx="8634208" cy="2651990"/>
+          </a:xfrm>
+          <a:prstGeom prst="rect">
+            <a:avLst/>
+          </a:prstGeom>
+        </p:spPr>
+      </p:pic>
+    </p:spTree>
+    <p:extLst>
+      <p:ext uri="{BB962C8B-B14F-4D97-AF65-F5344CB8AC3E}">
+        <p14:creationId xmlns:p14="http://schemas.microsoft.com/office/powerpoint/2010/main" val="185130725"/>
+      </p:ext>
+    </p:extLst>
+  </p:cSld>
+  <p:clrMapOvr>
+    <a:masterClrMapping/>
+  </p:clrMapOvr>
+</p:sld>
+</file>
+
+<file path=ppt/slides/slide7.xml><?xml version="1.0" encoding="utf-8"?>
+<p:sld xmlns:a="http://schemas.openxmlformats.org/drawingml/2006/main" xmlns:r="http://schemas.openxmlformats.org/officeDocument/2006/relationships" xmlns:p="http://schemas.openxmlformats.org/presentationml/2006/main">
+  <p:cSld>
+    <p:spTree>
+      <p:nvGrpSpPr>
+        <p:cNvPr id="1" name=""/>
+        <p:cNvGrpSpPr/>
+        <p:nvPr/>
+      </p:nvGrpSpPr>
+      <p:grpSpPr>
+        <a:xfrm>
+          <a:off x="0" y="0"/>
+          <a:ext cx="0" cy="0"/>
+          <a:chOff x="0" y="0"/>
+          <a:chExt cx="0" cy="0"/>
+        </a:xfrm>
+      </p:grpSpPr>
+      <p:sp>
+        <p:nvSpPr>
+          <p:cNvPr id="2" name="Title 1">
+            <a:extLst>
+              <a:ext uri="{FF2B5EF4-FFF2-40B4-BE49-F238E27FC236}">
                 <a16:creationId xmlns:a16="http://schemas.microsoft.com/office/drawing/2014/main" id="{4B0E5EB8-CD3F-E896-6E03-414E40B6C2AD}"/>
               </a:ext>
             </a:extLst>
@@ -4280,7 +4422,7 @@
 </p:sld>
 </file>
 
-<file path=ppt/slides/slide7.xml><?xml version="1.0" encoding="utf-8"?>
+<file path=ppt/slides/slide8.xml><?xml version="1.0" encoding="utf-8"?>
 <p:sld xmlns:a="http://schemas.openxmlformats.org/drawingml/2006/main" xmlns:r="http://schemas.openxmlformats.org/officeDocument/2006/relationships" xmlns:p="http://schemas.openxmlformats.org/presentationml/2006/main">
   <p:cSld>
     <p:spTree>
